--- a/presentations/Session_8_PCF101.pptx
+++ b/presentations/Session_8_PCF101.pptx
@@ -7246,7 +7246,7 @@
 </file>
 
 <file path=ppt/slides/slide10.xml><?xml version="1.0" encoding="utf-8"?>
-<p:sld xmlns:a="http://schemas.openxmlformats.org/drawingml/2006/main" xmlns:r="http://schemas.openxmlformats.org/officeDocument/2006/relationships" xmlns:p="http://schemas.openxmlformats.org/presentationml/2006/main">
+<p:sld xmlns:a="http://schemas.openxmlformats.org/drawingml/2006/main" xmlns:r="http://schemas.openxmlformats.org/officeDocument/2006/relationships" xmlns:p="http://schemas.openxmlformats.org/presentationml/2006/main" show="0">
   <p:cSld>
     <p:spTree>
       <p:nvGrpSpPr>
@@ -14588,7 +14588,7 @@
             <a:r>
               <a:rPr lang="en-US" sz="2800" i="1" dirty="0" smtClean="0">
                 <a:solidFill>
-                  <a:srgbClr val="2C95DD"/>
+                  <a:srgbClr val="008881"/>
                 </a:solidFill>
               </a:rPr>
               <a:t>Staging</a:t>
@@ -14596,7 +14596,7 @@
             <a:r>
               <a:rPr lang="en-US" sz="2800" dirty="0" smtClean="0">
                 <a:solidFill>
-                  <a:srgbClr val="2C95DD"/>
+                  <a:srgbClr val="008881"/>
                 </a:solidFill>
               </a:rPr>
               <a:t> an </a:t>
@@ -14604,7 +14604,7 @@
             <a:r>
               <a:rPr lang="en-US" sz="2800" dirty="0">
                 <a:solidFill>
-                  <a:srgbClr val="2C95DD"/>
+                  <a:srgbClr val="008881"/>
                 </a:solidFill>
               </a:rPr>
               <a:t>Application</a:t>
@@ -16247,7 +16247,7 @@
             <a:r>
               <a:rPr lang="en-US" sz="2800" dirty="0">
                 <a:solidFill>
-                  <a:srgbClr val="2C95DD"/>
+                  <a:srgbClr val="008881"/>
                 </a:solidFill>
               </a:rPr>
               <a:t>Pivotal CF: Technical Capabilities</a:t>
@@ -16255,13 +16255,13 @@
             <a:br>
               <a:rPr lang="en-US" sz="2800" dirty="0">
                 <a:solidFill>
-                  <a:srgbClr val="2C95DD"/>
+                  <a:srgbClr val="008881"/>
                 </a:solidFill>
               </a:rPr>
             </a:br>
             <a:endParaRPr lang="en-US" sz="2800" dirty="0">
               <a:solidFill>
-                <a:srgbClr val="2C95DD"/>
+                <a:srgbClr val="008881"/>
               </a:solidFill>
             </a:endParaRPr>
           </a:p>
@@ -20069,14 +20069,14 @@
             <a:r>
               <a:rPr lang="en-US" sz="2800" dirty="0" smtClean="0">
                 <a:solidFill>
-                  <a:srgbClr val="3EA7BC"/>
+                  <a:srgbClr val="008881"/>
                 </a:solidFill>
               </a:rPr>
               <a:t>A Multi-Cloud Platform: Cloud Foundry</a:t>
             </a:r>
             <a:endParaRPr lang="en-US" sz="2800" dirty="0">
               <a:solidFill>
-                <a:srgbClr val="3EA7BC"/>
+                <a:srgbClr val="008881"/>
               </a:solidFill>
               <a:latin typeface="Arial" charset="0"/>
               <a:cs typeface="Arial" charset="0"/>
@@ -23977,14 +23977,14 @@
             <a:r>
               <a:rPr lang="en-US" sz="3200" b="0" dirty="0" smtClean="0">
                 <a:solidFill>
-                  <a:schemeClr val="accent2"/>
+                  <a:srgbClr val="008881"/>
                 </a:solidFill>
               </a:rPr>
               <a:t>Cloud Foundry: An Application-centric Platform</a:t>
             </a:r>
             <a:endParaRPr lang="en-US" sz="3200" b="0" dirty="0">
               <a:solidFill>
-                <a:schemeClr val="accent2"/>
+                <a:srgbClr val="008881"/>
               </a:solidFill>
             </a:endParaRPr>
           </a:p>
@@ -35907,7 +35907,7 @@
             <a:r>
               <a:rPr lang="en-US" sz="2800" dirty="0">
                 <a:solidFill>
-                  <a:srgbClr val="2C95DD"/>
+                  <a:srgbClr val="008881"/>
                 </a:solidFill>
               </a:rPr>
               <a:t>Overview: Pushing an Application</a:t>
